--- a/docs/5.Deploying/Other/Презентація проекту.pptx
+++ b/docs/5.Deploying/Other/Презентація проекту.pptx
@@ -1183,8 +1183,8 @@
         </p:nvSpPr>
         <p:spPr>
           <a:xfrm>
-            <a:off x="1143225" y="685800"/>
-            <a:ext cx="4572300" cy="3429000"/>
+            <a:off x="381000" y="685800"/>
+            <a:ext cx="6096000" cy="3429000"/>
           </a:xfrm>
           <a:custGeom>
             <a:avLst/>
@@ -2231,7 +2231,7 @@
                 <a:cs typeface="Rubik"/>
                 <a:sym typeface="Rubik"/>
               </a:rPr>
-              <a:t>‹№›</a:t>
+              <a:t>‹#›</a:t>
             </a:fld>
             <a:endParaRPr sz="1800" b="0" i="0" u="none" strike="noStrike" cap="none">
               <a:solidFill>
@@ -2256,7 +2256,7 @@
         <p:fade/>
       </p:transition>
     </mc:Choice>
-    <mc:Fallback xmlns:ahyp="http://schemas.microsoft.com/office/drawing/2018/hyperlinkcolor" xmlns:p15="http://schemas.microsoft.com/office/powerpoint/2012/main" xmlns:com="http://schemas.openxmlformats.org/drawingml/2006/compatibility" xmlns:pvml="urn:schemas-microsoft-com:office:powerpoint" xmlns:v="urn:schemas-microsoft-com:vml" xmlns:o="urn:schemas-microsoft-com:office:office" xmlns:dgm="http://schemas.openxmlformats.org/drawingml/2006/diagram" xmlns:c="http://schemas.openxmlformats.org/drawingml/2006/chart" xmlns:mv="urn:schemas-microsoft-com:mac:vml" xmlns="">
+    <mc:Fallback xmlns="" xmlns:mv="urn:schemas-microsoft-com:mac:vml" xmlns:c="http://schemas.openxmlformats.org/drawingml/2006/chart" xmlns:dgm="http://schemas.openxmlformats.org/drawingml/2006/diagram" xmlns:o="urn:schemas-microsoft-com:office:office" xmlns:v="urn:schemas-microsoft-com:vml" xmlns:pvml="urn:schemas-microsoft-com:office:powerpoint" xmlns:com="http://schemas.openxmlformats.org/drawingml/2006/compatibility" xmlns:p15="http://schemas.microsoft.com/office/powerpoint/2012/main" xmlns:ahyp="http://schemas.microsoft.com/office/drawing/2018/hyperlinkcolor">
       <p:transition spd="slow">
         <p:fade/>
       </p:transition>
@@ -3228,7 +3228,7 @@
             </a:pPr>
             <a:fld id="{00000000-1234-1234-1234-123412341234}" type="slidenum">
               <a:rPr lang="es-ES"/>
-              <a:t>‹№›</a:t>
+              <a:t>‹#›</a:t>
             </a:fld>
             <a:endParaRPr/>
           </a:p>
@@ -3245,7 +3245,7 @@
         <p:fade/>
       </p:transition>
     </mc:Choice>
-    <mc:Fallback xmlns:ahyp="http://schemas.microsoft.com/office/drawing/2018/hyperlinkcolor" xmlns:p15="http://schemas.microsoft.com/office/powerpoint/2012/main" xmlns:com="http://schemas.openxmlformats.org/drawingml/2006/compatibility" xmlns:pvml="urn:schemas-microsoft-com:office:powerpoint" xmlns:v="urn:schemas-microsoft-com:vml" xmlns:o="urn:schemas-microsoft-com:office:office" xmlns:dgm="http://schemas.openxmlformats.org/drawingml/2006/diagram" xmlns:c="http://schemas.openxmlformats.org/drawingml/2006/chart" xmlns:mv="urn:schemas-microsoft-com:mac:vml" xmlns="">
+    <mc:Fallback xmlns="" xmlns:mv="urn:schemas-microsoft-com:mac:vml" xmlns:c="http://schemas.openxmlformats.org/drawingml/2006/chart" xmlns:dgm="http://schemas.openxmlformats.org/drawingml/2006/diagram" xmlns:o="urn:schemas-microsoft-com:office:office" xmlns:v="urn:schemas-microsoft-com:vml" xmlns:pvml="urn:schemas-microsoft-com:office:powerpoint" xmlns:com="http://schemas.openxmlformats.org/drawingml/2006/compatibility" xmlns:p15="http://schemas.microsoft.com/office/powerpoint/2012/main" xmlns:ahyp="http://schemas.microsoft.com/office/drawing/2018/hyperlinkcolor">
       <p:transition spd="slow">
         <p:fade/>
       </p:transition>
@@ -3517,7 +3517,7 @@
                 <a:cs typeface="Rubik"/>
                 <a:sym typeface="Rubik"/>
               </a:rPr>
-              <a:t>‹№›</a:t>
+              <a:t>‹#›</a:t>
             </a:fld>
             <a:endParaRPr sz="1800" b="0" i="0" u="none" strike="noStrike" cap="none">
               <a:solidFill>
@@ -3542,7 +3542,7 @@
         <p:fade/>
       </p:transition>
     </mc:Choice>
-    <mc:Fallback xmlns:ahyp="http://schemas.microsoft.com/office/drawing/2018/hyperlinkcolor" xmlns:p15="http://schemas.microsoft.com/office/powerpoint/2012/main" xmlns:com="http://schemas.openxmlformats.org/drawingml/2006/compatibility" xmlns:pvml="urn:schemas-microsoft-com:office:powerpoint" xmlns:v="urn:schemas-microsoft-com:vml" xmlns:o="urn:schemas-microsoft-com:office:office" xmlns:dgm="http://schemas.openxmlformats.org/drawingml/2006/diagram" xmlns:c="http://schemas.openxmlformats.org/drawingml/2006/chart" xmlns:mv="urn:schemas-microsoft-com:mac:vml" xmlns="">
+    <mc:Fallback xmlns="" xmlns:mv="urn:schemas-microsoft-com:mac:vml" xmlns:c="http://schemas.openxmlformats.org/drawingml/2006/chart" xmlns:dgm="http://schemas.openxmlformats.org/drawingml/2006/diagram" xmlns:o="urn:schemas-microsoft-com:office:office" xmlns:v="urn:schemas-microsoft-com:vml" xmlns:pvml="urn:schemas-microsoft-com:office:powerpoint" xmlns:com="http://schemas.openxmlformats.org/drawingml/2006/compatibility" xmlns:p15="http://schemas.microsoft.com/office/powerpoint/2012/main" xmlns:ahyp="http://schemas.microsoft.com/office/drawing/2018/hyperlinkcolor">
       <p:transition spd="slow">
         <p:fade/>
       </p:transition>
@@ -3672,7 +3672,7 @@
                 <a:cs typeface="Rubik"/>
                 <a:sym typeface="Rubik"/>
               </a:rPr>
-              <a:t>‹№›</a:t>
+              <a:t>‹#›</a:t>
             </a:fld>
             <a:endParaRPr sz="1800" b="0" i="0" u="none" strike="noStrike" cap="none">
               <a:solidFill>
@@ -3697,7 +3697,7 @@
         <p:fade/>
       </p:transition>
     </mc:Choice>
-    <mc:Fallback xmlns:ahyp="http://schemas.microsoft.com/office/drawing/2018/hyperlinkcolor" xmlns:p15="http://schemas.microsoft.com/office/powerpoint/2012/main" xmlns:com="http://schemas.openxmlformats.org/drawingml/2006/compatibility" xmlns:pvml="urn:schemas-microsoft-com:office:powerpoint" xmlns:v="urn:schemas-microsoft-com:vml" xmlns:o="urn:schemas-microsoft-com:office:office" xmlns:dgm="http://schemas.openxmlformats.org/drawingml/2006/diagram" xmlns:c="http://schemas.openxmlformats.org/drawingml/2006/chart" xmlns:mv="urn:schemas-microsoft-com:mac:vml" xmlns="">
+    <mc:Fallback xmlns="" xmlns:mv="urn:schemas-microsoft-com:mac:vml" xmlns:c="http://schemas.openxmlformats.org/drawingml/2006/chart" xmlns:dgm="http://schemas.openxmlformats.org/drawingml/2006/diagram" xmlns:o="urn:schemas-microsoft-com:office:office" xmlns:v="urn:schemas-microsoft-com:vml" xmlns:pvml="urn:schemas-microsoft-com:office:powerpoint" xmlns:com="http://schemas.openxmlformats.org/drawingml/2006/compatibility" xmlns:p15="http://schemas.microsoft.com/office/powerpoint/2012/main" xmlns:ahyp="http://schemas.microsoft.com/office/drawing/2018/hyperlinkcolor">
       <p:transition spd="slow">
         <p:fade/>
       </p:transition>
@@ -3957,7 +3957,7 @@
                 <a:cs typeface="Rubik"/>
                 <a:sym typeface="Rubik"/>
               </a:rPr>
-              <a:t>‹№›</a:t>
+              <a:t>‹#›</a:t>
             </a:fld>
             <a:endParaRPr sz="1800" b="0" i="0" u="none" strike="noStrike" cap="none">
               <a:solidFill>
@@ -3982,7 +3982,7 @@
         <p:fade/>
       </p:transition>
     </mc:Choice>
-    <mc:Fallback xmlns:ahyp="http://schemas.microsoft.com/office/drawing/2018/hyperlinkcolor" xmlns:p15="http://schemas.microsoft.com/office/powerpoint/2012/main" xmlns:com="http://schemas.openxmlformats.org/drawingml/2006/compatibility" xmlns:pvml="urn:schemas-microsoft-com:office:powerpoint" xmlns:v="urn:schemas-microsoft-com:vml" xmlns:o="urn:schemas-microsoft-com:office:office" xmlns:dgm="http://schemas.openxmlformats.org/drawingml/2006/diagram" xmlns:c="http://schemas.openxmlformats.org/drawingml/2006/chart" xmlns:mv="urn:schemas-microsoft-com:mac:vml" xmlns="">
+    <mc:Fallback xmlns="" xmlns:mv="urn:schemas-microsoft-com:mac:vml" xmlns:c="http://schemas.openxmlformats.org/drawingml/2006/chart" xmlns:dgm="http://schemas.openxmlformats.org/drawingml/2006/diagram" xmlns:o="urn:schemas-microsoft-com:office:office" xmlns:v="urn:schemas-microsoft-com:vml" xmlns:pvml="urn:schemas-microsoft-com:office:powerpoint" xmlns:com="http://schemas.openxmlformats.org/drawingml/2006/compatibility" xmlns:p15="http://schemas.microsoft.com/office/powerpoint/2012/main" xmlns:ahyp="http://schemas.microsoft.com/office/drawing/2018/hyperlinkcolor">
       <p:transition spd="slow">
         <p:fade/>
       </p:transition>
@@ -4282,7 +4282,7 @@
                 <a:cs typeface="Rubik"/>
                 <a:sym typeface="Rubik"/>
               </a:rPr>
-              <a:t>‹№›</a:t>
+              <a:t>‹#›</a:t>
             </a:fld>
             <a:endParaRPr sz="1800" b="0" i="0" u="none" strike="noStrike" cap="none">
               <a:solidFill>
@@ -4307,7 +4307,7 @@
         <p:fade/>
       </p:transition>
     </mc:Choice>
-    <mc:Fallback xmlns:ahyp="http://schemas.microsoft.com/office/drawing/2018/hyperlinkcolor" xmlns:p15="http://schemas.microsoft.com/office/powerpoint/2012/main" xmlns:com="http://schemas.openxmlformats.org/drawingml/2006/compatibility" xmlns:pvml="urn:schemas-microsoft-com:office:powerpoint" xmlns:v="urn:schemas-microsoft-com:vml" xmlns:o="urn:schemas-microsoft-com:office:office" xmlns:dgm="http://schemas.openxmlformats.org/drawingml/2006/diagram" xmlns:c="http://schemas.openxmlformats.org/drawingml/2006/chart" xmlns:mv="urn:schemas-microsoft-com:mac:vml" xmlns="">
+    <mc:Fallback xmlns="" xmlns:mv="urn:schemas-microsoft-com:mac:vml" xmlns:c="http://schemas.openxmlformats.org/drawingml/2006/chart" xmlns:dgm="http://schemas.openxmlformats.org/drawingml/2006/diagram" xmlns:o="urn:schemas-microsoft-com:office:office" xmlns:v="urn:schemas-microsoft-com:vml" xmlns:pvml="urn:schemas-microsoft-com:office:powerpoint" xmlns:com="http://schemas.openxmlformats.org/drawingml/2006/compatibility" xmlns:p15="http://schemas.microsoft.com/office/powerpoint/2012/main" xmlns:ahyp="http://schemas.microsoft.com/office/drawing/2018/hyperlinkcolor">
       <p:transition spd="slow">
         <p:fade/>
       </p:transition>
@@ -4956,7 +4956,7 @@
             </a:pPr>
             <a:fld id="{00000000-1234-1234-1234-123412341234}" type="slidenum">
               <a:rPr lang="es-ES"/>
-              <a:t>‹№›</a:t>
+              <a:t>‹#›</a:t>
             </a:fld>
             <a:endParaRPr/>
           </a:p>
@@ -5141,7 +5141,7 @@
         <p:fade/>
       </p:transition>
     </mc:Choice>
-    <mc:Fallback xmlns:ahyp="http://schemas.microsoft.com/office/drawing/2018/hyperlinkcolor" xmlns:p15="http://schemas.microsoft.com/office/powerpoint/2012/main" xmlns:com="http://schemas.openxmlformats.org/drawingml/2006/compatibility" xmlns:pvml="urn:schemas-microsoft-com:office:powerpoint" xmlns:v="urn:schemas-microsoft-com:vml" xmlns:o="urn:schemas-microsoft-com:office:office" xmlns:dgm="http://schemas.openxmlformats.org/drawingml/2006/diagram" xmlns:c="http://schemas.openxmlformats.org/drawingml/2006/chart" xmlns:mv="urn:schemas-microsoft-com:mac:vml" xmlns="">
+    <mc:Fallback xmlns="" xmlns:mv="urn:schemas-microsoft-com:mac:vml" xmlns:c="http://schemas.openxmlformats.org/drawingml/2006/chart" xmlns:dgm="http://schemas.openxmlformats.org/drawingml/2006/diagram" xmlns:o="urn:schemas-microsoft-com:office:office" xmlns:v="urn:schemas-microsoft-com:vml" xmlns:pvml="urn:schemas-microsoft-com:office:powerpoint" xmlns:com="http://schemas.openxmlformats.org/drawingml/2006/compatibility" xmlns:p15="http://schemas.microsoft.com/office/powerpoint/2012/main" xmlns:ahyp="http://schemas.microsoft.com/office/drawing/2018/hyperlinkcolor">
       <p:transition spd="slow">
         <p:fade/>
       </p:transition>
@@ -5357,7 +5357,7 @@
                 <a:cs typeface="Rubik"/>
                 <a:sym typeface="Rubik"/>
               </a:rPr>
-              <a:t>‹№›</a:t>
+              <a:t>‹#›</a:t>
             </a:fld>
             <a:endParaRPr sz="1800" b="0" i="0" u="none" strike="noStrike" cap="none">
               <a:solidFill>
@@ -5550,7 +5550,7 @@
         <p:fade/>
       </p:transition>
     </mc:Choice>
-    <mc:Fallback xmlns:ahyp="http://schemas.microsoft.com/office/drawing/2018/hyperlinkcolor" xmlns:p15="http://schemas.microsoft.com/office/powerpoint/2012/main" xmlns:com="http://schemas.openxmlformats.org/drawingml/2006/compatibility" xmlns:pvml="urn:schemas-microsoft-com:office:powerpoint" xmlns:v="urn:schemas-microsoft-com:vml" xmlns:o="urn:schemas-microsoft-com:office:office" xmlns:dgm="http://schemas.openxmlformats.org/drawingml/2006/diagram" xmlns:c="http://schemas.openxmlformats.org/drawingml/2006/chart" xmlns:mv="urn:schemas-microsoft-com:mac:vml" xmlns="">
+    <mc:Fallback xmlns="" xmlns:mv="urn:schemas-microsoft-com:mac:vml" xmlns:c="http://schemas.openxmlformats.org/drawingml/2006/chart" xmlns:dgm="http://schemas.openxmlformats.org/drawingml/2006/diagram" xmlns:o="urn:schemas-microsoft-com:office:office" xmlns:v="urn:schemas-microsoft-com:vml" xmlns:pvml="urn:schemas-microsoft-com:office:powerpoint" xmlns:com="http://schemas.openxmlformats.org/drawingml/2006/compatibility" xmlns:p15="http://schemas.microsoft.com/office/powerpoint/2012/main" xmlns:ahyp="http://schemas.microsoft.com/office/drawing/2018/hyperlinkcolor">
       <p:transition spd="slow">
         <p:fade/>
       </p:transition>
@@ -5613,7 +5613,7 @@
         <p:fade/>
       </p:transition>
     </mc:Choice>
-    <mc:Fallback xmlns:ahyp="http://schemas.microsoft.com/office/drawing/2018/hyperlinkcolor" xmlns:p15="http://schemas.microsoft.com/office/powerpoint/2012/main" xmlns:com="http://schemas.openxmlformats.org/drawingml/2006/compatibility" xmlns:pvml="urn:schemas-microsoft-com:office:powerpoint" xmlns:v="urn:schemas-microsoft-com:vml" xmlns:o="urn:schemas-microsoft-com:office:office" xmlns:dgm="http://schemas.openxmlformats.org/drawingml/2006/diagram" xmlns:c="http://schemas.openxmlformats.org/drawingml/2006/chart" xmlns:mv="urn:schemas-microsoft-com:mac:vml" xmlns="">
+    <mc:Fallback xmlns="" xmlns:mv="urn:schemas-microsoft-com:mac:vml" xmlns:c="http://schemas.openxmlformats.org/drawingml/2006/chart" xmlns:dgm="http://schemas.openxmlformats.org/drawingml/2006/diagram" xmlns:o="urn:schemas-microsoft-com:office:office" xmlns:v="urn:schemas-microsoft-com:vml" xmlns:pvml="urn:schemas-microsoft-com:office:powerpoint" xmlns:com="http://schemas.openxmlformats.org/drawingml/2006/compatibility" xmlns:p15="http://schemas.microsoft.com/office/powerpoint/2012/main" xmlns:ahyp="http://schemas.microsoft.com/office/drawing/2018/hyperlinkcolor">
       <p:transition spd="slow">
         <p:fade/>
       </p:transition>
@@ -5717,7 +5717,7 @@
                 <a:cs typeface="Rubik"/>
                 <a:sym typeface="Rubik"/>
               </a:rPr>
-              <a:t>‹№›</a:t>
+              <a:t>‹#›</a:t>
             </a:fld>
             <a:endParaRPr sz="1800" b="0" i="0" u="none" strike="noStrike" cap="none">
               <a:solidFill>
@@ -5742,7 +5742,7 @@
         <p:fade/>
       </p:transition>
     </mc:Choice>
-    <mc:Fallback xmlns:ahyp="http://schemas.microsoft.com/office/drawing/2018/hyperlinkcolor" xmlns:p15="http://schemas.microsoft.com/office/powerpoint/2012/main" xmlns:com="http://schemas.openxmlformats.org/drawingml/2006/compatibility" xmlns:pvml="urn:schemas-microsoft-com:office:powerpoint" xmlns:v="urn:schemas-microsoft-com:vml" xmlns:o="urn:schemas-microsoft-com:office:office" xmlns:dgm="http://schemas.openxmlformats.org/drawingml/2006/diagram" xmlns:c="http://schemas.openxmlformats.org/drawingml/2006/chart" xmlns:mv="urn:schemas-microsoft-com:mac:vml" xmlns="">
+    <mc:Fallback xmlns="" xmlns:mv="urn:schemas-microsoft-com:mac:vml" xmlns:c="http://schemas.openxmlformats.org/drawingml/2006/chart" xmlns:dgm="http://schemas.openxmlformats.org/drawingml/2006/diagram" xmlns:o="urn:schemas-microsoft-com:office:office" xmlns:v="urn:schemas-microsoft-com:vml" xmlns:pvml="urn:schemas-microsoft-com:office:powerpoint" xmlns:com="http://schemas.openxmlformats.org/drawingml/2006/compatibility" xmlns:p15="http://schemas.microsoft.com/office/powerpoint/2012/main" xmlns:ahyp="http://schemas.microsoft.com/office/drawing/2018/hyperlinkcolor">
       <p:transition spd="slow">
         <p:fade/>
       </p:transition>
@@ -7123,7 +7123,7 @@
             </a:pPr>
             <a:fld id="{00000000-1234-1234-1234-123412341234}" type="slidenum">
               <a:rPr lang="es-ES"/>
-              <a:t>‹№›</a:t>
+              <a:t>‹#›</a:t>
             </a:fld>
             <a:endParaRPr/>
           </a:p>
@@ -7150,7 +7150,7 @@
         <p:fade/>
       </p:transition>
     </mc:Choice>
-    <mc:Fallback xmlns:ahyp="http://schemas.microsoft.com/office/drawing/2018/hyperlinkcolor" xmlns:p15="http://schemas.microsoft.com/office/powerpoint/2012/main" xmlns:com="http://schemas.openxmlformats.org/drawingml/2006/compatibility" xmlns:pvml="urn:schemas-microsoft-com:office:powerpoint" xmlns:v="urn:schemas-microsoft-com:vml" xmlns:o="urn:schemas-microsoft-com:office:office" xmlns:dgm="http://schemas.openxmlformats.org/drawingml/2006/diagram" xmlns:c="http://schemas.openxmlformats.org/drawingml/2006/chart" xmlns:mv="urn:schemas-microsoft-com:mac:vml" xmlns="">
+    <mc:Fallback xmlns="" xmlns:mv="urn:schemas-microsoft-com:mac:vml" xmlns:c="http://schemas.openxmlformats.org/drawingml/2006/chart" xmlns:dgm="http://schemas.openxmlformats.org/drawingml/2006/diagram" xmlns:o="urn:schemas-microsoft-com:office:office" xmlns:v="urn:schemas-microsoft-com:vml" xmlns:pvml="urn:schemas-microsoft-com:office:powerpoint" xmlns:com="http://schemas.openxmlformats.org/drawingml/2006/compatibility" xmlns:p15="http://schemas.microsoft.com/office/powerpoint/2012/main" xmlns:ahyp="http://schemas.microsoft.com/office/drawing/2018/hyperlinkcolor">
       <p:transition spd="slow">
         <p:fade/>
       </p:transition>
@@ -8763,7 +8763,7 @@
         <p:fade/>
       </p:transition>
     </mc:Choice>
-    <mc:Fallback xmlns:ahyp="http://schemas.microsoft.com/office/drawing/2018/hyperlinkcolor" xmlns:p15="http://schemas.microsoft.com/office/powerpoint/2012/main" xmlns:com="http://schemas.openxmlformats.org/drawingml/2006/compatibility" xmlns:pvml="urn:schemas-microsoft-com:office:powerpoint" xmlns:v="urn:schemas-microsoft-com:vml" xmlns:o="urn:schemas-microsoft-com:office:office" xmlns:dgm="http://schemas.openxmlformats.org/drawingml/2006/diagram" xmlns:c="http://schemas.openxmlformats.org/drawingml/2006/chart" xmlns:mv="urn:schemas-microsoft-com:mac:vml" xmlns="">
+    <mc:Fallback xmlns="" xmlns:mv="urn:schemas-microsoft-com:mac:vml" xmlns:c="http://schemas.openxmlformats.org/drawingml/2006/chart" xmlns:dgm="http://schemas.openxmlformats.org/drawingml/2006/diagram" xmlns:o="urn:schemas-microsoft-com:office:office" xmlns:v="urn:schemas-microsoft-com:vml" xmlns:pvml="urn:schemas-microsoft-com:office:powerpoint" xmlns:com="http://schemas.openxmlformats.org/drawingml/2006/compatibility" xmlns:p15="http://schemas.microsoft.com/office/powerpoint/2012/main" xmlns:ahyp="http://schemas.microsoft.com/office/drawing/2018/hyperlinkcolor">
       <p:transition spd="slow">
         <p:fade/>
       </p:transition>
@@ -9694,7 +9694,7 @@
         <p:fade/>
       </p:transition>
     </mc:Choice>
-    <mc:Fallback xmlns:ahyp="http://schemas.microsoft.com/office/drawing/2018/hyperlinkcolor" xmlns:p15="http://schemas.microsoft.com/office/powerpoint/2012/main" xmlns:com="http://schemas.openxmlformats.org/drawingml/2006/compatibility" xmlns:pvml="urn:schemas-microsoft-com:office:powerpoint" xmlns:v="urn:schemas-microsoft-com:vml" xmlns:o="urn:schemas-microsoft-com:office:office" xmlns:dgm="http://schemas.openxmlformats.org/drawingml/2006/diagram" xmlns:c="http://schemas.openxmlformats.org/drawingml/2006/chart" xmlns:mv="urn:schemas-microsoft-com:mac:vml" xmlns="">
+    <mc:Fallback xmlns="" xmlns:mv="urn:schemas-microsoft-com:mac:vml" xmlns:c="http://schemas.openxmlformats.org/drawingml/2006/chart" xmlns:dgm="http://schemas.openxmlformats.org/drawingml/2006/diagram" xmlns:o="urn:schemas-microsoft-com:office:office" xmlns:v="urn:schemas-microsoft-com:vml" xmlns:pvml="urn:schemas-microsoft-com:office:powerpoint" xmlns:com="http://schemas.openxmlformats.org/drawingml/2006/compatibility" xmlns:p15="http://schemas.microsoft.com/office/powerpoint/2012/main" xmlns:ahyp="http://schemas.microsoft.com/office/drawing/2018/hyperlinkcolor">
       <p:transition spd="slow">
         <p:fade/>
       </p:transition>
@@ -10591,7 +10591,7 @@
           <p:spPr>
             <a:xfrm>
               <a:off x="770469" y="675399"/>
-              <a:ext cx="2111100" cy="932700"/>
+              <a:ext cx="2197904" cy="932700"/>
             </a:xfrm>
             <a:prstGeom prst="rect">
               <a:avLst/>
@@ -10625,7 +10625,7 @@
                 <a:buNone/>
               </a:pPr>
               <a:r>
-                <a:rPr lang="es-ES" sz="1600" b="1">
+                <a:rPr lang="es-ES" sz="1600" b="1" dirty="0">
                   <a:solidFill>
                     <a:schemeClr val="accent1"/>
                   </a:solidFill>
@@ -10634,9 +10634,21 @@
                   <a:cs typeface="Rubik"/>
                   <a:sym typeface="Rubik"/>
                 </a:rPr>
-                <a:t>Менеджер команди</a:t>
+                <a:t>Менеджер </a:t>
               </a:r>
-              <a:endParaRPr sz="1600" b="0" i="0" u="none" strike="noStrike" cap="none">
+              <a:r>
+                <a:rPr lang="uk-UA" sz="1600" b="1" dirty="0">
+                  <a:solidFill>
+                    <a:schemeClr val="accent1"/>
+                  </a:solidFill>
+                  <a:latin typeface="Rubik"/>
+                  <a:ea typeface="Rubik"/>
+                  <a:cs typeface="Rubik"/>
+                  <a:sym typeface="Rubik"/>
+                </a:rPr>
+                <a:t>програми</a:t>
+              </a:r>
+              <a:endParaRPr sz="1600" b="0" i="0" u="none" strike="noStrike" cap="none" dirty="0">
                 <a:solidFill>
                   <a:schemeClr val="accent1"/>
                 </a:solidFill>
@@ -10665,7 +10677,7 @@
                 <a:buNone/>
               </a:pPr>
               <a:r>
-                <a:rPr lang="es-ES" sz="1100">
+                <a:rPr lang="es-ES" sz="1100" dirty="0">
                   <a:solidFill>
                     <a:srgbClr val="767171"/>
                   </a:solidFill>
@@ -10676,7 +10688,7 @@
                 </a:rPr>
                 <a:t>Дядюнов Микита</a:t>
               </a:r>
-              <a:endParaRPr sz="1400" b="0" i="0" u="none" strike="noStrike" cap="none">
+              <a:endParaRPr sz="1400" b="0" i="0" u="none" strike="noStrike" cap="none" dirty="0">
                 <a:solidFill>
                   <a:srgbClr val="000000"/>
                 </a:solidFill>
@@ -11788,7 +11800,7 @@
         <p:fade/>
       </p:transition>
     </mc:Choice>
-    <mc:Fallback xmlns:ahyp="http://schemas.microsoft.com/office/drawing/2018/hyperlinkcolor" xmlns:p15="http://schemas.microsoft.com/office/powerpoint/2012/main" xmlns:com="http://schemas.openxmlformats.org/drawingml/2006/compatibility" xmlns:pvml="urn:schemas-microsoft-com:office:powerpoint" xmlns:v="urn:schemas-microsoft-com:vml" xmlns:o="urn:schemas-microsoft-com:office:office" xmlns:dgm="http://schemas.openxmlformats.org/drawingml/2006/diagram" xmlns:c="http://schemas.openxmlformats.org/drawingml/2006/chart" xmlns:mv="urn:schemas-microsoft-com:mac:vml" xmlns="">
+    <mc:Fallback xmlns="" xmlns:mv="urn:schemas-microsoft-com:mac:vml" xmlns:c="http://schemas.openxmlformats.org/drawingml/2006/chart" xmlns:dgm="http://schemas.openxmlformats.org/drawingml/2006/diagram" xmlns:o="urn:schemas-microsoft-com:office:office" xmlns:v="urn:schemas-microsoft-com:vml" xmlns:pvml="urn:schemas-microsoft-com:office:powerpoint" xmlns:com="http://schemas.openxmlformats.org/drawingml/2006/compatibility" xmlns:p15="http://schemas.microsoft.com/office/powerpoint/2012/main" xmlns:ahyp="http://schemas.microsoft.com/office/drawing/2018/hyperlinkcolor">
       <p:transition spd="slow">
         <p:fade/>
       </p:transition>
@@ -12280,7 +12292,7 @@
         <p:fade/>
       </p:transition>
     </mc:Choice>
-    <mc:Fallback xmlns:ahyp="http://schemas.microsoft.com/office/drawing/2018/hyperlinkcolor" xmlns:p15="http://schemas.microsoft.com/office/powerpoint/2012/main" xmlns:com="http://schemas.openxmlformats.org/drawingml/2006/compatibility" xmlns:pvml="urn:schemas-microsoft-com:office:powerpoint" xmlns:v="urn:schemas-microsoft-com:vml" xmlns:o="urn:schemas-microsoft-com:office:office" xmlns:dgm="http://schemas.openxmlformats.org/drawingml/2006/diagram" xmlns:c="http://schemas.openxmlformats.org/drawingml/2006/chart" xmlns:mv="urn:schemas-microsoft-com:mac:vml" xmlns="">
+    <mc:Fallback xmlns="" xmlns:mv="urn:schemas-microsoft-com:mac:vml" xmlns:c="http://schemas.openxmlformats.org/drawingml/2006/chart" xmlns:dgm="http://schemas.openxmlformats.org/drawingml/2006/diagram" xmlns:o="urn:schemas-microsoft-com:office:office" xmlns:v="urn:schemas-microsoft-com:vml" xmlns:pvml="urn:schemas-microsoft-com:office:powerpoint" xmlns:com="http://schemas.openxmlformats.org/drawingml/2006/compatibility" xmlns:p15="http://schemas.microsoft.com/office/powerpoint/2012/main" xmlns:ahyp="http://schemas.microsoft.com/office/drawing/2018/hyperlinkcolor">
       <p:transition spd="slow">
         <p:fade/>
       </p:transition>
@@ -13895,7 +13907,7 @@
         <p:fade/>
       </p:transition>
     </mc:Choice>
-    <mc:Fallback xmlns:ahyp="http://schemas.microsoft.com/office/drawing/2018/hyperlinkcolor" xmlns:p15="http://schemas.microsoft.com/office/powerpoint/2012/main" xmlns:com="http://schemas.openxmlformats.org/drawingml/2006/compatibility" xmlns:pvml="urn:schemas-microsoft-com:office:powerpoint" xmlns:v="urn:schemas-microsoft-com:vml" xmlns:o="urn:schemas-microsoft-com:office:office" xmlns:dgm="http://schemas.openxmlformats.org/drawingml/2006/diagram" xmlns:c="http://schemas.openxmlformats.org/drawingml/2006/chart" xmlns:mv="urn:schemas-microsoft-com:mac:vml" xmlns="">
+    <mc:Fallback xmlns="" xmlns:mv="urn:schemas-microsoft-com:mac:vml" xmlns:c="http://schemas.openxmlformats.org/drawingml/2006/chart" xmlns:dgm="http://schemas.openxmlformats.org/drawingml/2006/diagram" xmlns:o="urn:schemas-microsoft-com:office:office" xmlns:v="urn:schemas-microsoft-com:vml" xmlns:pvml="urn:schemas-microsoft-com:office:powerpoint" xmlns:com="http://schemas.openxmlformats.org/drawingml/2006/compatibility" xmlns:p15="http://schemas.microsoft.com/office/powerpoint/2012/main" xmlns:ahyp="http://schemas.microsoft.com/office/drawing/2018/hyperlinkcolor">
       <p:transition spd="slow">
         <p:fade/>
       </p:transition>
@@ -15066,7 +15078,7 @@
         <p:fade/>
       </p:transition>
     </mc:Choice>
-    <mc:Fallback xmlns:ahyp="http://schemas.microsoft.com/office/drawing/2018/hyperlinkcolor" xmlns:p15="http://schemas.microsoft.com/office/powerpoint/2012/main" xmlns:com="http://schemas.openxmlformats.org/drawingml/2006/compatibility" xmlns:pvml="urn:schemas-microsoft-com:office:powerpoint" xmlns:v="urn:schemas-microsoft-com:vml" xmlns:o="urn:schemas-microsoft-com:office:office" xmlns:dgm="http://schemas.openxmlformats.org/drawingml/2006/diagram" xmlns:c="http://schemas.openxmlformats.org/drawingml/2006/chart" xmlns:mv="urn:schemas-microsoft-com:mac:vml" xmlns="">
+    <mc:Fallback xmlns="" xmlns:mv="urn:schemas-microsoft-com:mac:vml" xmlns:c="http://schemas.openxmlformats.org/drawingml/2006/chart" xmlns:dgm="http://schemas.openxmlformats.org/drawingml/2006/diagram" xmlns:o="urn:schemas-microsoft-com:office:office" xmlns:v="urn:schemas-microsoft-com:vml" xmlns:pvml="urn:schemas-microsoft-com:office:powerpoint" xmlns:com="http://schemas.openxmlformats.org/drawingml/2006/compatibility" xmlns:p15="http://schemas.microsoft.com/office/powerpoint/2012/main" xmlns:ahyp="http://schemas.microsoft.com/office/drawing/2018/hyperlinkcolor">
       <p:transition spd="slow">
         <p:fade/>
       </p:transition>
@@ -16150,7 +16162,7 @@
         <p:fade/>
       </p:transition>
     </mc:Choice>
-    <mc:Fallback xmlns:ahyp="http://schemas.microsoft.com/office/drawing/2018/hyperlinkcolor" xmlns:p15="http://schemas.microsoft.com/office/powerpoint/2012/main" xmlns:com="http://schemas.openxmlformats.org/drawingml/2006/compatibility" xmlns:pvml="urn:schemas-microsoft-com:office:powerpoint" xmlns:v="urn:schemas-microsoft-com:vml" xmlns:o="urn:schemas-microsoft-com:office:office" xmlns:dgm="http://schemas.openxmlformats.org/drawingml/2006/diagram" xmlns:c="http://schemas.openxmlformats.org/drawingml/2006/chart" xmlns:mv="urn:schemas-microsoft-com:mac:vml" xmlns="">
+    <mc:Fallback xmlns="" xmlns:mv="urn:schemas-microsoft-com:mac:vml" xmlns:c="http://schemas.openxmlformats.org/drawingml/2006/chart" xmlns:dgm="http://schemas.openxmlformats.org/drawingml/2006/diagram" xmlns:o="urn:schemas-microsoft-com:office:office" xmlns:v="urn:schemas-microsoft-com:vml" xmlns:pvml="urn:schemas-microsoft-com:office:powerpoint" xmlns:com="http://schemas.openxmlformats.org/drawingml/2006/compatibility" xmlns:p15="http://schemas.microsoft.com/office/powerpoint/2012/main" xmlns:ahyp="http://schemas.microsoft.com/office/drawing/2018/hyperlinkcolor">
       <p:transition spd="slow">
         <p:fade/>
       </p:transition>
@@ -17210,7 +17222,7 @@
         <p:fade/>
       </p:transition>
     </mc:Choice>
-    <mc:Fallback xmlns:ahyp="http://schemas.microsoft.com/office/drawing/2018/hyperlinkcolor" xmlns:p15="http://schemas.microsoft.com/office/powerpoint/2012/main" xmlns:com="http://schemas.openxmlformats.org/drawingml/2006/compatibility" xmlns:pvml="urn:schemas-microsoft-com:office:powerpoint" xmlns:v="urn:schemas-microsoft-com:vml" xmlns:o="urn:schemas-microsoft-com:office:office" xmlns:dgm="http://schemas.openxmlformats.org/drawingml/2006/diagram" xmlns:c="http://schemas.openxmlformats.org/drawingml/2006/chart" xmlns:mv="urn:schemas-microsoft-com:mac:vml" xmlns="">
+    <mc:Fallback xmlns="" xmlns:mv="urn:schemas-microsoft-com:mac:vml" xmlns:c="http://schemas.openxmlformats.org/drawingml/2006/chart" xmlns:dgm="http://schemas.openxmlformats.org/drawingml/2006/diagram" xmlns:o="urn:schemas-microsoft-com:office:office" xmlns:v="urn:schemas-microsoft-com:vml" xmlns:pvml="urn:schemas-microsoft-com:office:powerpoint" xmlns:com="http://schemas.openxmlformats.org/drawingml/2006/compatibility" xmlns:p15="http://schemas.microsoft.com/office/powerpoint/2012/main" xmlns:ahyp="http://schemas.microsoft.com/office/drawing/2018/hyperlinkcolor">
       <p:transition spd="slow">
         <p:fade/>
       </p:transition>
@@ -17923,7 +17935,7 @@
         <p:fade/>
       </p:transition>
     </mc:Choice>
-    <mc:Fallback xmlns:ahyp="http://schemas.microsoft.com/office/drawing/2018/hyperlinkcolor" xmlns:p15="http://schemas.microsoft.com/office/powerpoint/2012/main" xmlns:com="http://schemas.openxmlformats.org/drawingml/2006/compatibility" xmlns:pvml="urn:schemas-microsoft-com:office:powerpoint" xmlns:v="urn:schemas-microsoft-com:vml" xmlns:o="urn:schemas-microsoft-com:office:office" xmlns:dgm="http://schemas.openxmlformats.org/drawingml/2006/diagram" xmlns:c="http://schemas.openxmlformats.org/drawingml/2006/chart" xmlns:mv="urn:schemas-microsoft-com:mac:vml" xmlns="">
+    <mc:Fallback xmlns="" xmlns:mv="urn:schemas-microsoft-com:mac:vml" xmlns:c="http://schemas.openxmlformats.org/drawingml/2006/chart" xmlns:dgm="http://schemas.openxmlformats.org/drawingml/2006/diagram" xmlns:o="urn:schemas-microsoft-com:office:office" xmlns:v="urn:schemas-microsoft-com:vml" xmlns:pvml="urn:schemas-microsoft-com:office:powerpoint" xmlns:com="http://schemas.openxmlformats.org/drawingml/2006/compatibility" xmlns:p15="http://schemas.microsoft.com/office/powerpoint/2012/main" xmlns:ahyp="http://schemas.microsoft.com/office/drawing/2018/hyperlinkcolor">
       <p:transition spd="slow">
         <p:fade/>
       </p:transition>
@@ -19116,7 +19128,7 @@
         <p:fade/>
       </p:transition>
     </mc:Choice>
-    <mc:Fallback xmlns:ahyp="http://schemas.microsoft.com/office/drawing/2018/hyperlinkcolor" xmlns:p15="http://schemas.microsoft.com/office/powerpoint/2012/main" xmlns:com="http://schemas.openxmlformats.org/drawingml/2006/compatibility" xmlns:pvml="urn:schemas-microsoft-com:office:powerpoint" xmlns:v="urn:schemas-microsoft-com:vml" xmlns:o="urn:schemas-microsoft-com:office:office" xmlns:dgm="http://schemas.openxmlformats.org/drawingml/2006/diagram" xmlns:c="http://schemas.openxmlformats.org/drawingml/2006/chart" xmlns:mv="urn:schemas-microsoft-com:mac:vml" xmlns="">
+    <mc:Fallback xmlns="" xmlns:mv="urn:schemas-microsoft-com:mac:vml" xmlns:c="http://schemas.openxmlformats.org/drawingml/2006/chart" xmlns:dgm="http://schemas.openxmlformats.org/drawingml/2006/diagram" xmlns:o="urn:schemas-microsoft-com:office:office" xmlns:v="urn:schemas-microsoft-com:vml" xmlns:pvml="urn:schemas-microsoft-com:office:powerpoint" xmlns:com="http://schemas.openxmlformats.org/drawingml/2006/compatibility" xmlns:p15="http://schemas.microsoft.com/office/powerpoint/2012/main" xmlns:ahyp="http://schemas.microsoft.com/office/drawing/2018/hyperlinkcolor">
       <p:transition spd="slow">
         <p:fade/>
       </p:transition>

--- a/docs/5.Deploying/Other/Презентація проекту.pptx
+++ b/docs/5.Deploying/Other/Презентація проекту.pptx
@@ -1549,8 +1549,8 @@
         </p:nvSpPr>
         <p:spPr>
           <a:xfrm>
-            <a:off x="1143225" y="685800"/>
-            <a:ext cx="4572300" cy="3429000"/>
+            <a:off x="381000" y="685800"/>
+            <a:ext cx="6096000" cy="3429000"/>
           </a:xfrm>
           <a:custGeom>
             <a:avLst/>
@@ -2231,7 +2231,7 @@
                 <a:cs typeface="Rubik"/>
                 <a:sym typeface="Rubik"/>
               </a:rPr>
-              <a:t>‹#›</a:t>
+              <a:t>‹№›</a:t>
             </a:fld>
             <a:endParaRPr sz="1800" b="0" i="0" u="none" strike="noStrike" cap="none">
               <a:solidFill>
@@ -2256,7 +2256,7 @@
         <p:fade/>
       </p:transition>
     </mc:Choice>
-    <mc:Fallback xmlns="" xmlns:mv="urn:schemas-microsoft-com:mac:vml" xmlns:c="http://schemas.openxmlformats.org/drawingml/2006/chart" xmlns:dgm="http://schemas.openxmlformats.org/drawingml/2006/diagram" xmlns:o="urn:schemas-microsoft-com:office:office" xmlns:v="urn:schemas-microsoft-com:vml" xmlns:pvml="urn:schemas-microsoft-com:office:powerpoint" xmlns:com="http://schemas.openxmlformats.org/drawingml/2006/compatibility" xmlns:p15="http://schemas.microsoft.com/office/powerpoint/2012/main" xmlns:ahyp="http://schemas.microsoft.com/office/drawing/2018/hyperlinkcolor">
+    <mc:Fallback xmlns:ahyp="http://schemas.microsoft.com/office/drawing/2018/hyperlinkcolor" xmlns:p15="http://schemas.microsoft.com/office/powerpoint/2012/main" xmlns:com="http://schemas.openxmlformats.org/drawingml/2006/compatibility" xmlns:pvml="urn:schemas-microsoft-com:office:powerpoint" xmlns:v="urn:schemas-microsoft-com:vml" xmlns:o="urn:schemas-microsoft-com:office:office" xmlns:dgm="http://schemas.openxmlformats.org/drawingml/2006/diagram" xmlns:c="http://schemas.openxmlformats.org/drawingml/2006/chart" xmlns:mv="urn:schemas-microsoft-com:mac:vml" xmlns="">
       <p:transition spd="slow">
         <p:fade/>
       </p:transition>
@@ -3228,7 +3228,7 @@
             </a:pPr>
             <a:fld id="{00000000-1234-1234-1234-123412341234}" type="slidenum">
               <a:rPr lang="es-ES"/>
-              <a:t>‹#›</a:t>
+              <a:t>‹№›</a:t>
             </a:fld>
             <a:endParaRPr/>
           </a:p>
@@ -3245,7 +3245,7 @@
         <p:fade/>
       </p:transition>
     </mc:Choice>
-    <mc:Fallback xmlns="" xmlns:mv="urn:schemas-microsoft-com:mac:vml" xmlns:c="http://schemas.openxmlformats.org/drawingml/2006/chart" xmlns:dgm="http://schemas.openxmlformats.org/drawingml/2006/diagram" xmlns:o="urn:schemas-microsoft-com:office:office" xmlns:v="urn:schemas-microsoft-com:vml" xmlns:pvml="urn:schemas-microsoft-com:office:powerpoint" xmlns:com="http://schemas.openxmlformats.org/drawingml/2006/compatibility" xmlns:p15="http://schemas.microsoft.com/office/powerpoint/2012/main" xmlns:ahyp="http://schemas.microsoft.com/office/drawing/2018/hyperlinkcolor">
+    <mc:Fallback xmlns:ahyp="http://schemas.microsoft.com/office/drawing/2018/hyperlinkcolor" xmlns:p15="http://schemas.microsoft.com/office/powerpoint/2012/main" xmlns:com="http://schemas.openxmlformats.org/drawingml/2006/compatibility" xmlns:pvml="urn:schemas-microsoft-com:office:powerpoint" xmlns:v="urn:schemas-microsoft-com:vml" xmlns:o="urn:schemas-microsoft-com:office:office" xmlns:dgm="http://schemas.openxmlformats.org/drawingml/2006/diagram" xmlns:c="http://schemas.openxmlformats.org/drawingml/2006/chart" xmlns:mv="urn:schemas-microsoft-com:mac:vml" xmlns="">
       <p:transition spd="slow">
         <p:fade/>
       </p:transition>
@@ -3517,7 +3517,7 @@
                 <a:cs typeface="Rubik"/>
                 <a:sym typeface="Rubik"/>
               </a:rPr>
-              <a:t>‹#›</a:t>
+              <a:t>‹№›</a:t>
             </a:fld>
             <a:endParaRPr sz="1800" b="0" i="0" u="none" strike="noStrike" cap="none">
               <a:solidFill>
@@ -3542,7 +3542,7 @@
         <p:fade/>
       </p:transition>
     </mc:Choice>
-    <mc:Fallback xmlns="" xmlns:mv="urn:schemas-microsoft-com:mac:vml" xmlns:c="http://schemas.openxmlformats.org/drawingml/2006/chart" xmlns:dgm="http://schemas.openxmlformats.org/drawingml/2006/diagram" xmlns:o="urn:schemas-microsoft-com:office:office" xmlns:v="urn:schemas-microsoft-com:vml" xmlns:pvml="urn:schemas-microsoft-com:office:powerpoint" xmlns:com="http://schemas.openxmlformats.org/drawingml/2006/compatibility" xmlns:p15="http://schemas.microsoft.com/office/powerpoint/2012/main" xmlns:ahyp="http://schemas.microsoft.com/office/drawing/2018/hyperlinkcolor">
+    <mc:Fallback xmlns:ahyp="http://schemas.microsoft.com/office/drawing/2018/hyperlinkcolor" xmlns:p15="http://schemas.microsoft.com/office/powerpoint/2012/main" xmlns:com="http://schemas.openxmlformats.org/drawingml/2006/compatibility" xmlns:pvml="urn:schemas-microsoft-com:office:powerpoint" xmlns:v="urn:schemas-microsoft-com:vml" xmlns:o="urn:schemas-microsoft-com:office:office" xmlns:dgm="http://schemas.openxmlformats.org/drawingml/2006/diagram" xmlns:c="http://schemas.openxmlformats.org/drawingml/2006/chart" xmlns:mv="urn:schemas-microsoft-com:mac:vml" xmlns="">
       <p:transition spd="slow">
         <p:fade/>
       </p:transition>
@@ -3672,7 +3672,7 @@
                 <a:cs typeface="Rubik"/>
                 <a:sym typeface="Rubik"/>
               </a:rPr>
-              <a:t>‹#›</a:t>
+              <a:t>‹№›</a:t>
             </a:fld>
             <a:endParaRPr sz="1800" b="0" i="0" u="none" strike="noStrike" cap="none">
               <a:solidFill>
@@ -3697,7 +3697,7 @@
         <p:fade/>
       </p:transition>
     </mc:Choice>
-    <mc:Fallback xmlns="" xmlns:mv="urn:schemas-microsoft-com:mac:vml" xmlns:c="http://schemas.openxmlformats.org/drawingml/2006/chart" xmlns:dgm="http://schemas.openxmlformats.org/drawingml/2006/diagram" xmlns:o="urn:schemas-microsoft-com:office:office" xmlns:v="urn:schemas-microsoft-com:vml" xmlns:pvml="urn:schemas-microsoft-com:office:powerpoint" xmlns:com="http://schemas.openxmlformats.org/drawingml/2006/compatibility" xmlns:p15="http://schemas.microsoft.com/office/powerpoint/2012/main" xmlns:ahyp="http://schemas.microsoft.com/office/drawing/2018/hyperlinkcolor">
+    <mc:Fallback xmlns:ahyp="http://schemas.microsoft.com/office/drawing/2018/hyperlinkcolor" xmlns:p15="http://schemas.microsoft.com/office/powerpoint/2012/main" xmlns:com="http://schemas.openxmlformats.org/drawingml/2006/compatibility" xmlns:pvml="urn:schemas-microsoft-com:office:powerpoint" xmlns:v="urn:schemas-microsoft-com:vml" xmlns:o="urn:schemas-microsoft-com:office:office" xmlns:dgm="http://schemas.openxmlformats.org/drawingml/2006/diagram" xmlns:c="http://schemas.openxmlformats.org/drawingml/2006/chart" xmlns:mv="urn:schemas-microsoft-com:mac:vml" xmlns="">
       <p:transition spd="slow">
         <p:fade/>
       </p:transition>
@@ -3957,7 +3957,7 @@
                 <a:cs typeface="Rubik"/>
                 <a:sym typeface="Rubik"/>
               </a:rPr>
-              <a:t>‹#›</a:t>
+              <a:t>‹№›</a:t>
             </a:fld>
             <a:endParaRPr sz="1800" b="0" i="0" u="none" strike="noStrike" cap="none">
               <a:solidFill>
@@ -3982,7 +3982,7 @@
         <p:fade/>
       </p:transition>
     </mc:Choice>
-    <mc:Fallback xmlns="" xmlns:mv="urn:schemas-microsoft-com:mac:vml" xmlns:c="http://schemas.openxmlformats.org/drawingml/2006/chart" xmlns:dgm="http://schemas.openxmlformats.org/drawingml/2006/diagram" xmlns:o="urn:schemas-microsoft-com:office:office" xmlns:v="urn:schemas-microsoft-com:vml" xmlns:pvml="urn:schemas-microsoft-com:office:powerpoint" xmlns:com="http://schemas.openxmlformats.org/drawingml/2006/compatibility" xmlns:p15="http://schemas.microsoft.com/office/powerpoint/2012/main" xmlns:ahyp="http://schemas.microsoft.com/office/drawing/2018/hyperlinkcolor">
+    <mc:Fallback xmlns:ahyp="http://schemas.microsoft.com/office/drawing/2018/hyperlinkcolor" xmlns:p15="http://schemas.microsoft.com/office/powerpoint/2012/main" xmlns:com="http://schemas.openxmlformats.org/drawingml/2006/compatibility" xmlns:pvml="urn:schemas-microsoft-com:office:powerpoint" xmlns:v="urn:schemas-microsoft-com:vml" xmlns:o="urn:schemas-microsoft-com:office:office" xmlns:dgm="http://schemas.openxmlformats.org/drawingml/2006/diagram" xmlns:c="http://schemas.openxmlformats.org/drawingml/2006/chart" xmlns:mv="urn:schemas-microsoft-com:mac:vml" xmlns="">
       <p:transition spd="slow">
         <p:fade/>
       </p:transition>
@@ -4282,7 +4282,7 @@
                 <a:cs typeface="Rubik"/>
                 <a:sym typeface="Rubik"/>
               </a:rPr>
-              <a:t>‹#›</a:t>
+              <a:t>‹№›</a:t>
             </a:fld>
             <a:endParaRPr sz="1800" b="0" i="0" u="none" strike="noStrike" cap="none">
               <a:solidFill>
@@ -4307,7 +4307,7 @@
         <p:fade/>
       </p:transition>
     </mc:Choice>
-    <mc:Fallback xmlns="" xmlns:mv="urn:schemas-microsoft-com:mac:vml" xmlns:c="http://schemas.openxmlformats.org/drawingml/2006/chart" xmlns:dgm="http://schemas.openxmlformats.org/drawingml/2006/diagram" xmlns:o="urn:schemas-microsoft-com:office:office" xmlns:v="urn:schemas-microsoft-com:vml" xmlns:pvml="urn:schemas-microsoft-com:office:powerpoint" xmlns:com="http://schemas.openxmlformats.org/drawingml/2006/compatibility" xmlns:p15="http://schemas.microsoft.com/office/powerpoint/2012/main" xmlns:ahyp="http://schemas.microsoft.com/office/drawing/2018/hyperlinkcolor">
+    <mc:Fallback xmlns:ahyp="http://schemas.microsoft.com/office/drawing/2018/hyperlinkcolor" xmlns:p15="http://schemas.microsoft.com/office/powerpoint/2012/main" xmlns:com="http://schemas.openxmlformats.org/drawingml/2006/compatibility" xmlns:pvml="urn:schemas-microsoft-com:office:powerpoint" xmlns:v="urn:schemas-microsoft-com:vml" xmlns:o="urn:schemas-microsoft-com:office:office" xmlns:dgm="http://schemas.openxmlformats.org/drawingml/2006/diagram" xmlns:c="http://schemas.openxmlformats.org/drawingml/2006/chart" xmlns:mv="urn:schemas-microsoft-com:mac:vml" xmlns="">
       <p:transition spd="slow">
         <p:fade/>
       </p:transition>
@@ -4956,7 +4956,7 @@
             </a:pPr>
             <a:fld id="{00000000-1234-1234-1234-123412341234}" type="slidenum">
               <a:rPr lang="es-ES"/>
-              <a:t>‹#›</a:t>
+              <a:t>‹№›</a:t>
             </a:fld>
             <a:endParaRPr/>
           </a:p>
@@ -5141,7 +5141,7 @@
         <p:fade/>
       </p:transition>
     </mc:Choice>
-    <mc:Fallback xmlns="" xmlns:mv="urn:schemas-microsoft-com:mac:vml" xmlns:c="http://schemas.openxmlformats.org/drawingml/2006/chart" xmlns:dgm="http://schemas.openxmlformats.org/drawingml/2006/diagram" xmlns:o="urn:schemas-microsoft-com:office:office" xmlns:v="urn:schemas-microsoft-com:vml" xmlns:pvml="urn:schemas-microsoft-com:office:powerpoint" xmlns:com="http://schemas.openxmlformats.org/drawingml/2006/compatibility" xmlns:p15="http://schemas.microsoft.com/office/powerpoint/2012/main" xmlns:ahyp="http://schemas.microsoft.com/office/drawing/2018/hyperlinkcolor">
+    <mc:Fallback xmlns:ahyp="http://schemas.microsoft.com/office/drawing/2018/hyperlinkcolor" xmlns:p15="http://schemas.microsoft.com/office/powerpoint/2012/main" xmlns:com="http://schemas.openxmlformats.org/drawingml/2006/compatibility" xmlns:pvml="urn:schemas-microsoft-com:office:powerpoint" xmlns:v="urn:schemas-microsoft-com:vml" xmlns:o="urn:schemas-microsoft-com:office:office" xmlns:dgm="http://schemas.openxmlformats.org/drawingml/2006/diagram" xmlns:c="http://schemas.openxmlformats.org/drawingml/2006/chart" xmlns:mv="urn:schemas-microsoft-com:mac:vml" xmlns="">
       <p:transition spd="slow">
         <p:fade/>
       </p:transition>
@@ -5357,7 +5357,7 @@
                 <a:cs typeface="Rubik"/>
                 <a:sym typeface="Rubik"/>
               </a:rPr>
-              <a:t>‹#›</a:t>
+              <a:t>‹№›</a:t>
             </a:fld>
             <a:endParaRPr sz="1800" b="0" i="0" u="none" strike="noStrike" cap="none">
               <a:solidFill>
@@ -5550,7 +5550,7 @@
         <p:fade/>
       </p:transition>
     </mc:Choice>
-    <mc:Fallback xmlns="" xmlns:mv="urn:schemas-microsoft-com:mac:vml" xmlns:c="http://schemas.openxmlformats.org/drawingml/2006/chart" xmlns:dgm="http://schemas.openxmlformats.org/drawingml/2006/diagram" xmlns:o="urn:schemas-microsoft-com:office:office" xmlns:v="urn:schemas-microsoft-com:vml" xmlns:pvml="urn:schemas-microsoft-com:office:powerpoint" xmlns:com="http://schemas.openxmlformats.org/drawingml/2006/compatibility" xmlns:p15="http://schemas.microsoft.com/office/powerpoint/2012/main" xmlns:ahyp="http://schemas.microsoft.com/office/drawing/2018/hyperlinkcolor">
+    <mc:Fallback xmlns:ahyp="http://schemas.microsoft.com/office/drawing/2018/hyperlinkcolor" xmlns:p15="http://schemas.microsoft.com/office/powerpoint/2012/main" xmlns:com="http://schemas.openxmlformats.org/drawingml/2006/compatibility" xmlns:pvml="urn:schemas-microsoft-com:office:powerpoint" xmlns:v="urn:schemas-microsoft-com:vml" xmlns:o="urn:schemas-microsoft-com:office:office" xmlns:dgm="http://schemas.openxmlformats.org/drawingml/2006/diagram" xmlns:c="http://schemas.openxmlformats.org/drawingml/2006/chart" xmlns:mv="urn:schemas-microsoft-com:mac:vml" xmlns="">
       <p:transition spd="slow">
         <p:fade/>
       </p:transition>
@@ -5613,7 +5613,7 @@
         <p:fade/>
       </p:transition>
     </mc:Choice>
-    <mc:Fallback xmlns="" xmlns:mv="urn:schemas-microsoft-com:mac:vml" xmlns:c="http://schemas.openxmlformats.org/drawingml/2006/chart" xmlns:dgm="http://schemas.openxmlformats.org/drawingml/2006/diagram" xmlns:o="urn:schemas-microsoft-com:office:office" xmlns:v="urn:schemas-microsoft-com:vml" xmlns:pvml="urn:schemas-microsoft-com:office:powerpoint" xmlns:com="http://schemas.openxmlformats.org/drawingml/2006/compatibility" xmlns:p15="http://schemas.microsoft.com/office/powerpoint/2012/main" xmlns:ahyp="http://schemas.microsoft.com/office/drawing/2018/hyperlinkcolor">
+    <mc:Fallback xmlns:ahyp="http://schemas.microsoft.com/office/drawing/2018/hyperlinkcolor" xmlns:p15="http://schemas.microsoft.com/office/powerpoint/2012/main" xmlns:com="http://schemas.openxmlformats.org/drawingml/2006/compatibility" xmlns:pvml="urn:schemas-microsoft-com:office:powerpoint" xmlns:v="urn:schemas-microsoft-com:vml" xmlns:o="urn:schemas-microsoft-com:office:office" xmlns:dgm="http://schemas.openxmlformats.org/drawingml/2006/diagram" xmlns:c="http://schemas.openxmlformats.org/drawingml/2006/chart" xmlns:mv="urn:schemas-microsoft-com:mac:vml" xmlns="">
       <p:transition spd="slow">
         <p:fade/>
       </p:transition>
@@ -5717,7 +5717,7 @@
                 <a:cs typeface="Rubik"/>
                 <a:sym typeface="Rubik"/>
               </a:rPr>
-              <a:t>‹#›</a:t>
+              <a:t>‹№›</a:t>
             </a:fld>
             <a:endParaRPr sz="1800" b="0" i="0" u="none" strike="noStrike" cap="none">
               <a:solidFill>
@@ -5742,7 +5742,7 @@
         <p:fade/>
       </p:transition>
     </mc:Choice>
-    <mc:Fallback xmlns="" xmlns:mv="urn:schemas-microsoft-com:mac:vml" xmlns:c="http://schemas.openxmlformats.org/drawingml/2006/chart" xmlns:dgm="http://schemas.openxmlformats.org/drawingml/2006/diagram" xmlns:o="urn:schemas-microsoft-com:office:office" xmlns:v="urn:schemas-microsoft-com:vml" xmlns:pvml="urn:schemas-microsoft-com:office:powerpoint" xmlns:com="http://schemas.openxmlformats.org/drawingml/2006/compatibility" xmlns:p15="http://schemas.microsoft.com/office/powerpoint/2012/main" xmlns:ahyp="http://schemas.microsoft.com/office/drawing/2018/hyperlinkcolor">
+    <mc:Fallback xmlns:ahyp="http://schemas.microsoft.com/office/drawing/2018/hyperlinkcolor" xmlns:p15="http://schemas.microsoft.com/office/powerpoint/2012/main" xmlns:com="http://schemas.openxmlformats.org/drawingml/2006/compatibility" xmlns:pvml="urn:schemas-microsoft-com:office:powerpoint" xmlns:v="urn:schemas-microsoft-com:vml" xmlns:o="urn:schemas-microsoft-com:office:office" xmlns:dgm="http://schemas.openxmlformats.org/drawingml/2006/diagram" xmlns:c="http://schemas.openxmlformats.org/drawingml/2006/chart" xmlns:mv="urn:schemas-microsoft-com:mac:vml" xmlns="">
       <p:transition spd="slow">
         <p:fade/>
       </p:transition>
@@ -7123,7 +7123,7 @@
             </a:pPr>
             <a:fld id="{00000000-1234-1234-1234-123412341234}" type="slidenum">
               <a:rPr lang="es-ES"/>
-              <a:t>‹#›</a:t>
+              <a:t>‹№›</a:t>
             </a:fld>
             <a:endParaRPr/>
           </a:p>
@@ -7150,7 +7150,7 @@
         <p:fade/>
       </p:transition>
     </mc:Choice>
-    <mc:Fallback xmlns="" xmlns:mv="urn:schemas-microsoft-com:mac:vml" xmlns:c="http://schemas.openxmlformats.org/drawingml/2006/chart" xmlns:dgm="http://schemas.openxmlformats.org/drawingml/2006/diagram" xmlns:o="urn:schemas-microsoft-com:office:office" xmlns:v="urn:schemas-microsoft-com:vml" xmlns:pvml="urn:schemas-microsoft-com:office:powerpoint" xmlns:com="http://schemas.openxmlformats.org/drawingml/2006/compatibility" xmlns:p15="http://schemas.microsoft.com/office/powerpoint/2012/main" xmlns:ahyp="http://schemas.microsoft.com/office/drawing/2018/hyperlinkcolor">
+    <mc:Fallback xmlns:ahyp="http://schemas.microsoft.com/office/drawing/2018/hyperlinkcolor" xmlns:p15="http://schemas.microsoft.com/office/powerpoint/2012/main" xmlns:com="http://schemas.openxmlformats.org/drawingml/2006/compatibility" xmlns:pvml="urn:schemas-microsoft-com:office:powerpoint" xmlns:v="urn:schemas-microsoft-com:vml" xmlns:o="urn:schemas-microsoft-com:office:office" xmlns:dgm="http://schemas.openxmlformats.org/drawingml/2006/diagram" xmlns:c="http://schemas.openxmlformats.org/drawingml/2006/chart" xmlns:mv="urn:schemas-microsoft-com:mac:vml" xmlns="">
       <p:transition spd="slow">
         <p:fade/>
       </p:transition>
@@ -8763,7 +8763,7 @@
         <p:fade/>
       </p:transition>
     </mc:Choice>
-    <mc:Fallback xmlns="" xmlns:mv="urn:schemas-microsoft-com:mac:vml" xmlns:c="http://schemas.openxmlformats.org/drawingml/2006/chart" xmlns:dgm="http://schemas.openxmlformats.org/drawingml/2006/diagram" xmlns:o="urn:schemas-microsoft-com:office:office" xmlns:v="urn:schemas-microsoft-com:vml" xmlns:pvml="urn:schemas-microsoft-com:office:powerpoint" xmlns:com="http://schemas.openxmlformats.org/drawingml/2006/compatibility" xmlns:p15="http://schemas.microsoft.com/office/powerpoint/2012/main" xmlns:ahyp="http://schemas.microsoft.com/office/drawing/2018/hyperlinkcolor">
+    <mc:Fallback xmlns:ahyp="http://schemas.microsoft.com/office/drawing/2018/hyperlinkcolor" xmlns:p15="http://schemas.microsoft.com/office/powerpoint/2012/main" xmlns:com="http://schemas.openxmlformats.org/drawingml/2006/compatibility" xmlns:pvml="urn:schemas-microsoft-com:office:powerpoint" xmlns:v="urn:schemas-microsoft-com:vml" xmlns:o="urn:schemas-microsoft-com:office:office" xmlns:dgm="http://schemas.openxmlformats.org/drawingml/2006/diagram" xmlns:c="http://schemas.openxmlformats.org/drawingml/2006/chart" xmlns:mv="urn:schemas-microsoft-com:mac:vml" xmlns="">
       <p:transition spd="slow">
         <p:fade/>
       </p:transition>
@@ -9694,7 +9694,7 @@
         <p:fade/>
       </p:transition>
     </mc:Choice>
-    <mc:Fallback xmlns="" xmlns:mv="urn:schemas-microsoft-com:mac:vml" xmlns:c="http://schemas.openxmlformats.org/drawingml/2006/chart" xmlns:dgm="http://schemas.openxmlformats.org/drawingml/2006/diagram" xmlns:o="urn:schemas-microsoft-com:office:office" xmlns:v="urn:schemas-microsoft-com:vml" xmlns:pvml="urn:schemas-microsoft-com:office:powerpoint" xmlns:com="http://schemas.openxmlformats.org/drawingml/2006/compatibility" xmlns:p15="http://schemas.microsoft.com/office/powerpoint/2012/main" xmlns:ahyp="http://schemas.microsoft.com/office/drawing/2018/hyperlinkcolor">
+    <mc:Fallback xmlns:ahyp="http://schemas.microsoft.com/office/drawing/2018/hyperlinkcolor" xmlns:p15="http://schemas.microsoft.com/office/powerpoint/2012/main" xmlns:com="http://schemas.openxmlformats.org/drawingml/2006/compatibility" xmlns:pvml="urn:schemas-microsoft-com:office:powerpoint" xmlns:v="urn:schemas-microsoft-com:vml" xmlns:o="urn:schemas-microsoft-com:office:office" xmlns:dgm="http://schemas.openxmlformats.org/drawingml/2006/diagram" xmlns:c="http://schemas.openxmlformats.org/drawingml/2006/chart" xmlns:mv="urn:schemas-microsoft-com:mac:vml" xmlns="">
       <p:transition spd="slow">
         <p:fade/>
       </p:transition>
@@ -11800,7 +11800,7 @@
         <p:fade/>
       </p:transition>
     </mc:Choice>
-    <mc:Fallback xmlns="" xmlns:mv="urn:schemas-microsoft-com:mac:vml" xmlns:c="http://schemas.openxmlformats.org/drawingml/2006/chart" xmlns:dgm="http://schemas.openxmlformats.org/drawingml/2006/diagram" xmlns:o="urn:schemas-microsoft-com:office:office" xmlns:v="urn:schemas-microsoft-com:vml" xmlns:pvml="urn:schemas-microsoft-com:office:powerpoint" xmlns:com="http://schemas.openxmlformats.org/drawingml/2006/compatibility" xmlns:p15="http://schemas.microsoft.com/office/powerpoint/2012/main" xmlns:ahyp="http://schemas.microsoft.com/office/drawing/2018/hyperlinkcolor">
+    <mc:Fallback xmlns:ahyp="http://schemas.microsoft.com/office/drawing/2018/hyperlinkcolor" xmlns:p15="http://schemas.microsoft.com/office/powerpoint/2012/main" xmlns:com="http://schemas.openxmlformats.org/drawingml/2006/compatibility" xmlns:pvml="urn:schemas-microsoft-com:office:powerpoint" xmlns:v="urn:schemas-microsoft-com:vml" xmlns:o="urn:schemas-microsoft-com:office:office" xmlns:dgm="http://schemas.openxmlformats.org/drawingml/2006/diagram" xmlns:c="http://schemas.openxmlformats.org/drawingml/2006/chart" xmlns:mv="urn:schemas-microsoft-com:mac:vml" xmlns="">
       <p:transition spd="slow">
         <p:fade/>
       </p:transition>
@@ -12292,7 +12292,7 @@
         <p:fade/>
       </p:transition>
     </mc:Choice>
-    <mc:Fallback xmlns="" xmlns:mv="urn:schemas-microsoft-com:mac:vml" xmlns:c="http://schemas.openxmlformats.org/drawingml/2006/chart" xmlns:dgm="http://schemas.openxmlformats.org/drawingml/2006/diagram" xmlns:o="urn:schemas-microsoft-com:office:office" xmlns:v="urn:schemas-microsoft-com:vml" xmlns:pvml="urn:schemas-microsoft-com:office:powerpoint" xmlns:com="http://schemas.openxmlformats.org/drawingml/2006/compatibility" xmlns:p15="http://schemas.microsoft.com/office/powerpoint/2012/main" xmlns:ahyp="http://schemas.microsoft.com/office/drawing/2018/hyperlinkcolor">
+    <mc:Fallback xmlns:ahyp="http://schemas.microsoft.com/office/drawing/2018/hyperlinkcolor" xmlns:p15="http://schemas.microsoft.com/office/powerpoint/2012/main" xmlns:com="http://schemas.openxmlformats.org/drawingml/2006/compatibility" xmlns:pvml="urn:schemas-microsoft-com:office:powerpoint" xmlns:v="urn:schemas-microsoft-com:vml" xmlns:o="urn:schemas-microsoft-com:office:office" xmlns:dgm="http://schemas.openxmlformats.org/drawingml/2006/diagram" xmlns:c="http://schemas.openxmlformats.org/drawingml/2006/chart" xmlns:mv="urn:schemas-microsoft-com:mac:vml" xmlns="">
       <p:transition spd="slow">
         <p:fade/>
       </p:transition>
@@ -13907,7 +13907,7 @@
         <p:fade/>
       </p:transition>
     </mc:Choice>
-    <mc:Fallback xmlns="" xmlns:mv="urn:schemas-microsoft-com:mac:vml" xmlns:c="http://schemas.openxmlformats.org/drawingml/2006/chart" xmlns:dgm="http://schemas.openxmlformats.org/drawingml/2006/diagram" xmlns:o="urn:schemas-microsoft-com:office:office" xmlns:v="urn:schemas-microsoft-com:vml" xmlns:pvml="urn:schemas-microsoft-com:office:powerpoint" xmlns:com="http://schemas.openxmlformats.org/drawingml/2006/compatibility" xmlns:p15="http://schemas.microsoft.com/office/powerpoint/2012/main" xmlns:ahyp="http://schemas.microsoft.com/office/drawing/2018/hyperlinkcolor">
+    <mc:Fallback xmlns:ahyp="http://schemas.microsoft.com/office/drawing/2018/hyperlinkcolor" xmlns:p15="http://schemas.microsoft.com/office/powerpoint/2012/main" xmlns:com="http://schemas.openxmlformats.org/drawingml/2006/compatibility" xmlns:pvml="urn:schemas-microsoft-com:office:powerpoint" xmlns:v="urn:schemas-microsoft-com:vml" xmlns:o="urn:schemas-microsoft-com:office:office" xmlns:dgm="http://schemas.openxmlformats.org/drawingml/2006/diagram" xmlns:c="http://schemas.openxmlformats.org/drawingml/2006/chart" xmlns:mv="urn:schemas-microsoft-com:mac:vml" xmlns="">
       <p:transition spd="slow">
         <p:fade/>
       </p:transition>
@@ -14184,7 +14184,7 @@
               <a:buNone/>
             </a:pPr>
             <a:r>
-              <a:rPr lang="es-ES" sz="1200">
+              <a:rPr lang="es-ES" sz="1200" dirty="0">
                 <a:solidFill>
                   <a:srgbClr val="4C4C4C"/>
                 </a:solidFill>
@@ -14193,9 +14193,9 @@
                 <a:cs typeface="Rubik"/>
                 <a:sym typeface="Rubik"/>
               </a:rPr>
-              <a:t>Перетворення зібраної інформації в загальний звіт та створення концепції та структури проекту"</a:t>
+              <a:t>Перетворення зібраної інформації в загальний звіт та створення концепції та структури проекту</a:t>
             </a:r>
-            <a:endParaRPr sz="1200" b="0" i="0" u="none" strike="noStrike" cap="none">
+            <a:endParaRPr sz="1200" b="0" i="0" u="none" strike="noStrike" cap="none" dirty="0">
               <a:solidFill>
                 <a:srgbClr val="4C4C4C"/>
               </a:solidFill>
@@ -15078,7 +15078,7 @@
         <p:fade/>
       </p:transition>
     </mc:Choice>
-    <mc:Fallback xmlns="" xmlns:mv="urn:schemas-microsoft-com:mac:vml" xmlns:c="http://schemas.openxmlformats.org/drawingml/2006/chart" xmlns:dgm="http://schemas.openxmlformats.org/drawingml/2006/diagram" xmlns:o="urn:schemas-microsoft-com:office:office" xmlns:v="urn:schemas-microsoft-com:vml" xmlns:pvml="urn:schemas-microsoft-com:office:powerpoint" xmlns:com="http://schemas.openxmlformats.org/drawingml/2006/compatibility" xmlns:p15="http://schemas.microsoft.com/office/powerpoint/2012/main" xmlns:ahyp="http://schemas.microsoft.com/office/drawing/2018/hyperlinkcolor">
+    <mc:Fallback xmlns:ahyp="http://schemas.microsoft.com/office/drawing/2018/hyperlinkcolor" xmlns:p15="http://schemas.microsoft.com/office/powerpoint/2012/main" xmlns:com="http://schemas.openxmlformats.org/drawingml/2006/compatibility" xmlns:pvml="urn:schemas-microsoft-com:office:powerpoint" xmlns:v="urn:schemas-microsoft-com:vml" xmlns:o="urn:schemas-microsoft-com:office:office" xmlns:dgm="http://schemas.openxmlformats.org/drawingml/2006/diagram" xmlns:c="http://schemas.openxmlformats.org/drawingml/2006/chart" xmlns:mv="urn:schemas-microsoft-com:mac:vml" xmlns="">
       <p:transition spd="slow">
         <p:fade/>
       </p:transition>
@@ -16162,7 +16162,7 @@
         <p:fade/>
       </p:transition>
     </mc:Choice>
-    <mc:Fallback xmlns="" xmlns:mv="urn:schemas-microsoft-com:mac:vml" xmlns:c="http://schemas.openxmlformats.org/drawingml/2006/chart" xmlns:dgm="http://schemas.openxmlformats.org/drawingml/2006/diagram" xmlns:o="urn:schemas-microsoft-com:office:office" xmlns:v="urn:schemas-microsoft-com:vml" xmlns:pvml="urn:schemas-microsoft-com:office:powerpoint" xmlns:com="http://schemas.openxmlformats.org/drawingml/2006/compatibility" xmlns:p15="http://schemas.microsoft.com/office/powerpoint/2012/main" xmlns:ahyp="http://schemas.microsoft.com/office/drawing/2018/hyperlinkcolor">
+    <mc:Fallback xmlns:ahyp="http://schemas.microsoft.com/office/drawing/2018/hyperlinkcolor" xmlns:p15="http://schemas.microsoft.com/office/powerpoint/2012/main" xmlns:com="http://schemas.openxmlformats.org/drawingml/2006/compatibility" xmlns:pvml="urn:schemas-microsoft-com:office:powerpoint" xmlns:v="urn:schemas-microsoft-com:vml" xmlns:o="urn:schemas-microsoft-com:office:office" xmlns:dgm="http://schemas.openxmlformats.org/drawingml/2006/diagram" xmlns:c="http://schemas.openxmlformats.org/drawingml/2006/chart" xmlns:mv="urn:schemas-microsoft-com:mac:vml" xmlns="">
       <p:transition spd="slow">
         <p:fade/>
       </p:transition>
@@ -17222,7 +17222,7 @@
         <p:fade/>
       </p:transition>
     </mc:Choice>
-    <mc:Fallback xmlns="" xmlns:mv="urn:schemas-microsoft-com:mac:vml" xmlns:c="http://schemas.openxmlformats.org/drawingml/2006/chart" xmlns:dgm="http://schemas.openxmlformats.org/drawingml/2006/diagram" xmlns:o="urn:schemas-microsoft-com:office:office" xmlns:v="urn:schemas-microsoft-com:vml" xmlns:pvml="urn:schemas-microsoft-com:office:powerpoint" xmlns:com="http://schemas.openxmlformats.org/drawingml/2006/compatibility" xmlns:p15="http://schemas.microsoft.com/office/powerpoint/2012/main" xmlns:ahyp="http://schemas.microsoft.com/office/drawing/2018/hyperlinkcolor">
+    <mc:Fallback xmlns:ahyp="http://schemas.microsoft.com/office/drawing/2018/hyperlinkcolor" xmlns:p15="http://schemas.microsoft.com/office/powerpoint/2012/main" xmlns:com="http://schemas.openxmlformats.org/drawingml/2006/compatibility" xmlns:pvml="urn:schemas-microsoft-com:office:powerpoint" xmlns:v="urn:schemas-microsoft-com:vml" xmlns:o="urn:schemas-microsoft-com:office:office" xmlns:dgm="http://schemas.openxmlformats.org/drawingml/2006/diagram" xmlns:c="http://schemas.openxmlformats.org/drawingml/2006/chart" xmlns:mv="urn:schemas-microsoft-com:mac:vml" xmlns="">
       <p:transition spd="slow">
         <p:fade/>
       </p:transition>
@@ -17935,7 +17935,7 @@
         <p:fade/>
       </p:transition>
     </mc:Choice>
-    <mc:Fallback xmlns="" xmlns:mv="urn:schemas-microsoft-com:mac:vml" xmlns:c="http://schemas.openxmlformats.org/drawingml/2006/chart" xmlns:dgm="http://schemas.openxmlformats.org/drawingml/2006/diagram" xmlns:o="urn:schemas-microsoft-com:office:office" xmlns:v="urn:schemas-microsoft-com:vml" xmlns:pvml="urn:schemas-microsoft-com:office:powerpoint" xmlns:com="http://schemas.openxmlformats.org/drawingml/2006/compatibility" xmlns:p15="http://schemas.microsoft.com/office/powerpoint/2012/main" xmlns:ahyp="http://schemas.microsoft.com/office/drawing/2018/hyperlinkcolor">
+    <mc:Fallback xmlns:ahyp="http://schemas.microsoft.com/office/drawing/2018/hyperlinkcolor" xmlns:p15="http://schemas.microsoft.com/office/powerpoint/2012/main" xmlns:com="http://schemas.openxmlformats.org/drawingml/2006/compatibility" xmlns:pvml="urn:schemas-microsoft-com:office:powerpoint" xmlns:v="urn:schemas-microsoft-com:vml" xmlns:o="urn:schemas-microsoft-com:office:office" xmlns:dgm="http://schemas.openxmlformats.org/drawingml/2006/diagram" xmlns:c="http://schemas.openxmlformats.org/drawingml/2006/chart" xmlns:mv="urn:schemas-microsoft-com:mac:vml" xmlns="">
       <p:transition spd="slow">
         <p:fade/>
       </p:transition>
@@ -19128,7 +19128,7 @@
         <p:fade/>
       </p:transition>
     </mc:Choice>
-    <mc:Fallback xmlns="" xmlns:mv="urn:schemas-microsoft-com:mac:vml" xmlns:c="http://schemas.openxmlformats.org/drawingml/2006/chart" xmlns:dgm="http://schemas.openxmlformats.org/drawingml/2006/diagram" xmlns:o="urn:schemas-microsoft-com:office:office" xmlns:v="urn:schemas-microsoft-com:vml" xmlns:pvml="urn:schemas-microsoft-com:office:powerpoint" xmlns:com="http://schemas.openxmlformats.org/drawingml/2006/compatibility" xmlns:p15="http://schemas.microsoft.com/office/powerpoint/2012/main" xmlns:ahyp="http://schemas.microsoft.com/office/drawing/2018/hyperlinkcolor">
+    <mc:Fallback xmlns:ahyp="http://schemas.microsoft.com/office/drawing/2018/hyperlinkcolor" xmlns:p15="http://schemas.microsoft.com/office/powerpoint/2012/main" xmlns:com="http://schemas.openxmlformats.org/drawingml/2006/compatibility" xmlns:pvml="urn:schemas-microsoft-com:office:powerpoint" xmlns:v="urn:schemas-microsoft-com:vml" xmlns:o="urn:schemas-microsoft-com:office:office" xmlns:dgm="http://schemas.openxmlformats.org/drawingml/2006/diagram" xmlns:c="http://schemas.openxmlformats.org/drawingml/2006/chart" xmlns:mv="urn:schemas-microsoft-com:mac:vml" xmlns="">
       <p:transition spd="slow">
         <p:fade/>
       </p:transition>
